--- a/deliverables/P3.1 OM.pptx
+++ b/deliverables/P3.1 OM.pptx
@@ -291,7 +291,7 @@
           <a:p>
             <a:fld id="{5FF110C1-6DF0-874E-8DB8-4AABBCC5EB31}" type="datetimeFigureOut">
               <a:rPr lang="en-US" smtClean="0"/>
-              <a:t>10/21/12</a:t>
+              <a:t>10/28/12</a:t>
             </a:fld>
             <a:endParaRPr lang="en-US"/>
           </a:p>
@@ -461,7 +461,7 @@
           <a:p>
             <a:fld id="{5FF110C1-6DF0-874E-8DB8-4AABBCC5EB31}" type="datetimeFigureOut">
               <a:rPr lang="en-US" smtClean="0"/>
-              <a:t>10/21/12</a:t>
+              <a:t>10/28/12</a:t>
             </a:fld>
             <a:endParaRPr lang="en-US"/>
           </a:p>
@@ -641,7 +641,7 @@
           <a:p>
             <a:fld id="{5FF110C1-6DF0-874E-8DB8-4AABBCC5EB31}" type="datetimeFigureOut">
               <a:rPr lang="en-US" smtClean="0"/>
-              <a:t>10/21/12</a:t>
+              <a:t>10/28/12</a:t>
             </a:fld>
             <a:endParaRPr lang="en-US"/>
           </a:p>
@@ -811,7 +811,7 @@
           <a:p>
             <a:fld id="{5FF110C1-6DF0-874E-8DB8-4AABBCC5EB31}" type="datetimeFigureOut">
               <a:rPr lang="en-US" smtClean="0"/>
-              <a:t>10/21/12</a:t>
+              <a:t>10/28/12</a:t>
             </a:fld>
             <a:endParaRPr lang="en-US"/>
           </a:p>
@@ -1057,7 +1057,7 @@
           <a:p>
             <a:fld id="{5FF110C1-6DF0-874E-8DB8-4AABBCC5EB31}" type="datetimeFigureOut">
               <a:rPr lang="en-US" smtClean="0"/>
-              <a:t>10/21/12</a:t>
+              <a:t>10/28/12</a:t>
             </a:fld>
             <a:endParaRPr lang="en-US"/>
           </a:p>
@@ -1345,7 +1345,7 @@
           <a:p>
             <a:fld id="{5FF110C1-6DF0-874E-8DB8-4AABBCC5EB31}" type="datetimeFigureOut">
               <a:rPr lang="en-US" smtClean="0"/>
-              <a:t>10/21/12</a:t>
+              <a:t>10/28/12</a:t>
             </a:fld>
             <a:endParaRPr lang="en-US"/>
           </a:p>
@@ -1767,7 +1767,7 @@
           <a:p>
             <a:fld id="{5FF110C1-6DF0-874E-8DB8-4AABBCC5EB31}" type="datetimeFigureOut">
               <a:rPr lang="en-US" smtClean="0"/>
-              <a:t>10/21/12</a:t>
+              <a:t>10/28/12</a:t>
             </a:fld>
             <a:endParaRPr lang="en-US"/>
           </a:p>
@@ -1885,7 +1885,7 @@
           <a:p>
             <a:fld id="{5FF110C1-6DF0-874E-8DB8-4AABBCC5EB31}" type="datetimeFigureOut">
               <a:rPr lang="en-US" smtClean="0"/>
-              <a:t>10/21/12</a:t>
+              <a:t>10/28/12</a:t>
             </a:fld>
             <a:endParaRPr lang="en-US"/>
           </a:p>
@@ -1980,7 +1980,7 @@
           <a:p>
             <a:fld id="{5FF110C1-6DF0-874E-8DB8-4AABBCC5EB31}" type="datetimeFigureOut">
               <a:rPr lang="en-US" smtClean="0"/>
-              <a:t>10/21/12</a:t>
+              <a:t>10/28/12</a:t>
             </a:fld>
             <a:endParaRPr lang="en-US"/>
           </a:p>
@@ -2257,7 +2257,7 @@
           <a:p>
             <a:fld id="{5FF110C1-6DF0-874E-8DB8-4AABBCC5EB31}" type="datetimeFigureOut">
               <a:rPr lang="en-US" smtClean="0"/>
-              <a:t>10/21/12</a:t>
+              <a:t>10/28/12</a:t>
             </a:fld>
             <a:endParaRPr lang="en-US"/>
           </a:p>
@@ -2510,7 +2510,7 @@
           <a:p>
             <a:fld id="{5FF110C1-6DF0-874E-8DB8-4AABBCC5EB31}" type="datetimeFigureOut">
               <a:rPr lang="en-US" smtClean="0"/>
-              <a:t>10/21/12</a:t>
+              <a:t>10/28/12</a:t>
             </a:fld>
             <a:endParaRPr lang="en-US"/>
           </a:p>
@@ -2723,7 +2723,7 @@
           <a:p>
             <a:fld id="{5FF110C1-6DF0-874E-8DB8-4AABBCC5EB31}" type="datetimeFigureOut">
               <a:rPr lang="en-US" smtClean="0"/>
-              <a:t>10/21/12</a:t>
+              <a:t>10/28/12</a:t>
             </a:fld>
             <a:endParaRPr lang="en-US"/>
           </a:p>
@@ -4816,7 +4816,7 @@
         <p:spPr>
           <a:xfrm>
             <a:off x="672376" y="515937"/>
-            <a:ext cx="3409783" cy="646331"/>
+            <a:ext cx="8586380" cy="646331"/>
           </a:xfrm>
           <a:prstGeom prst="rect">
             <a:avLst/>
@@ -4831,7 +4831,19 @@
           <a:p>
             <a:r>
               <a:rPr lang="en-US" dirty="0" smtClean="0"/>
-              <a:t>Red-Dot: Phase 2</a:t>
+              <a:t>Red-Dot: Phase </a:t>
+            </a:r>
+            <a:r>
+              <a:rPr lang="en-US" dirty="0" smtClean="0"/>
+              <a:t>2. </a:t>
+            </a:r>
+            <a:r>
+              <a:rPr lang="en-US" dirty="0" smtClean="0"/>
+              <a:t>Not updated (</a:t>
+            </a:r>
+            <a:r>
+              <a:rPr lang="en-US" smtClean="0"/>
+              <a:t>see Phase 3)</a:t>
             </a:r>
             <a:endParaRPr lang="en-US" dirty="0"/>
           </a:p>
@@ -5760,7 +5772,7 @@
         <p:spPr>
           <a:xfrm>
             <a:off x="3578104" y="3374818"/>
-            <a:ext cx="3535986" cy="1077218"/>
+            <a:ext cx="3535986" cy="1323439"/>
           </a:xfrm>
           <a:prstGeom prst="rect">
             <a:avLst/>
@@ -5779,9 +5791,27 @@
             </a:r>
           </a:p>
           <a:p>
+            <a:endParaRPr lang="en-US" sz="1600" dirty="0" smtClean="0"/>
+          </a:p>
+          <a:p>
             <a:r>
               <a:rPr lang="en-US" sz="1600" dirty="0" smtClean="0"/>
-              <a:t>User is identified by unique username, email, and password</a:t>
+              <a:t>	User </a:t>
+            </a:r>
+            <a:r>
+              <a:rPr lang="en-US" sz="1600" dirty="0" err="1" smtClean="0"/>
+              <a:t>authnticated</a:t>
+            </a:r>
+            <a:r>
+              <a:rPr lang="en-US" sz="1600" dirty="0" smtClean="0"/>
+              <a:t> by</a:t>
+            </a:r>
+            <a:endParaRPr lang="en-US" sz="1600" dirty="0"/>
+          </a:p>
+          <a:p>
+            <a:r>
+              <a:rPr lang="en-US" sz="1600" dirty="0" smtClean="0"/>
+              <a:t>                   </a:t>
             </a:r>
           </a:p>
           <a:p>
@@ -5791,7 +5821,15 @@
             </a:r>
             <a:r>
               <a:rPr lang="en-US" sz="1600" dirty="0" smtClean="0"/>
-              <a:t>                 ?         ?          *</a:t>
+              <a:t>                   </a:t>
+            </a:r>
+            <a:r>
+              <a:rPr lang="en-US" sz="1600" dirty="0" smtClean="0"/>
+              <a:t>?         </a:t>
+            </a:r>
+            <a:r>
+              <a:rPr lang="en-US" sz="1600" dirty="0" smtClean="0"/>
+              <a:t>?          *</a:t>
             </a:r>
             <a:endParaRPr lang="en-US" sz="1600" dirty="0"/>
           </a:p>
@@ -5884,7 +5922,7 @@
         <p:spPr>
           <a:xfrm>
             <a:off x="3824526" y="7396656"/>
-            <a:ext cx="2550656" cy="1323439"/>
+            <a:ext cx="2550656" cy="1815882"/>
           </a:xfrm>
           <a:prstGeom prst="rect">
             <a:avLst/>
@@ -5903,10 +5941,23 @@
             </a:r>
           </a:p>
           <a:p>
+            <a:endParaRPr lang="en-US" sz="1600" dirty="0" smtClean="0"/>
+          </a:p>
+          <a:p>
             <a:r>
               <a:rPr lang="en-US" sz="1600" dirty="0" smtClean="0"/>
-              <a:t>Users can make multiple comments. Comment is tied to one User.</a:t>
-            </a:r>
+              <a:t>User creates and views</a:t>
+            </a:r>
+            <a:endParaRPr lang="en-US" sz="1600" dirty="0"/>
+          </a:p>
+          <a:p>
+            <a:endParaRPr lang="en-US" sz="1600" dirty="0" smtClean="0"/>
+          </a:p>
+          <a:p>
+            <a:endParaRPr lang="en-US" sz="1600" dirty="0"/>
+          </a:p>
+          <a:p>
+            <a:endParaRPr lang="en-US" sz="1600" dirty="0" smtClean="0"/>
           </a:p>
           <a:p>
             <a:r>
@@ -5915,7 +5966,11 @@
             </a:r>
             <a:r>
               <a:rPr lang="en-US" sz="1600" dirty="0" smtClean="0"/>
-              <a:t>                     *</a:t>
+              <a:t>                     </a:t>
+            </a:r>
+            <a:r>
+              <a:rPr lang="en-US" sz="1600" dirty="0" smtClean="0"/>
+              <a:t>*</a:t>
             </a:r>
             <a:endParaRPr lang="en-US" sz="1600" dirty="0"/>
           </a:p>
@@ -5929,8 +5984,8 @@
         </p:nvSpPr>
         <p:spPr>
           <a:xfrm>
-            <a:off x="9659749" y="3173259"/>
-            <a:ext cx="2550656" cy="830997"/>
+            <a:off x="10352655" y="2790042"/>
+            <a:ext cx="2550656" cy="338554"/>
           </a:xfrm>
           <a:prstGeom prst="rect">
             <a:avLst/>
@@ -5945,23 +6000,7 @@
           <a:p>
             <a:r>
               <a:rPr lang="en-US" sz="1600" dirty="0" smtClean="0"/>
-              <a:t>Each </a:t>
-            </a:r>
-            <a:r>
-              <a:rPr lang="en-US" sz="1600" dirty="0" err="1" smtClean="0"/>
-              <a:t>PostUpvote</a:t>
-            </a:r>
-            <a:r>
-              <a:rPr lang="en-US" sz="1600" dirty="0" smtClean="0"/>
-              <a:t> and </a:t>
-            </a:r>
-            <a:r>
-              <a:rPr lang="en-US" sz="1600" dirty="0" err="1" smtClean="0"/>
-              <a:t>PostDownvote</a:t>
-            </a:r>
-            <a:r>
-              <a:rPr lang="en-US" sz="1600" dirty="0" smtClean="0"/>
-              <a:t> belongs to exactly one User</a:t>
+              <a:t>Voted by</a:t>
             </a:r>
             <a:endParaRPr lang="en-US" sz="1600" dirty="0"/>
           </a:p>
@@ -6071,8 +6110,8 @@
         </p:nvSpPr>
         <p:spPr>
           <a:xfrm>
-            <a:off x="13479212" y="3632268"/>
-            <a:ext cx="2550656" cy="830997"/>
+            <a:off x="13570052" y="4029430"/>
+            <a:ext cx="2550656" cy="338554"/>
           </a:xfrm>
           <a:prstGeom prst="rect">
             <a:avLst/>
@@ -6087,23 +6126,7 @@
           <a:p>
             <a:r>
               <a:rPr lang="en-US" sz="1600" dirty="0" smtClean="0"/>
-              <a:t>Each </a:t>
-            </a:r>
-            <a:r>
-              <a:rPr lang="en-US" sz="1600" dirty="0" err="1" smtClean="0"/>
-              <a:t>PostUpvote</a:t>
-            </a:r>
-            <a:r>
-              <a:rPr lang="en-US" sz="1600" dirty="0" smtClean="0"/>
-              <a:t> and </a:t>
-            </a:r>
-            <a:r>
-              <a:rPr lang="en-US" sz="1600" dirty="0" err="1" smtClean="0"/>
-              <a:t>PostDownvote</a:t>
-            </a:r>
-            <a:r>
-              <a:rPr lang="en-US" sz="1600" dirty="0" smtClean="0"/>
-              <a:t> belongs to exactly one Post</a:t>
+              <a:t>Vote occurs on Post</a:t>
             </a:r>
             <a:endParaRPr lang="en-US" sz="1600" dirty="0"/>
           </a:p>
@@ -6162,14 +6185,22 @@
           <a:p>
             <a:r>
               <a:rPr lang="en-US" sz="1600" dirty="0" smtClean="0"/>
-              <a:t>	       !</a:t>
-            </a:r>
-          </a:p>
-          <a:p>
+              <a:t>	       </a:t>
+            </a:r>
             <a:r>
               <a:rPr lang="en-US" sz="1600" dirty="0" smtClean="0"/>
-              <a:t>Each Comment belongs to exactly one Post</a:t>
-            </a:r>
+              <a:t>!</a:t>
+            </a:r>
+          </a:p>
+          <a:p>
+            <a:endParaRPr lang="en-US" sz="1600" dirty="0" smtClean="0"/>
+          </a:p>
+          <a:p>
+            <a:r>
+              <a:rPr lang="en-US" sz="1600" dirty="0" smtClean="0"/>
+              <a:t>Comments occur on</a:t>
+            </a:r>
+            <a:endParaRPr lang="en-US" sz="1600" dirty="0" smtClean="0"/>
           </a:p>
           <a:p>
             <a:endParaRPr lang="en-US" sz="1600" dirty="0" smtClean="0"/>
@@ -6279,8 +6310,8 @@
         </p:nvSpPr>
         <p:spPr>
           <a:xfrm>
-            <a:off x="7662239" y="10547424"/>
-            <a:ext cx="2550656" cy="830997"/>
+            <a:off x="7662239" y="10885978"/>
+            <a:ext cx="2550656" cy="338554"/>
           </a:xfrm>
           <a:prstGeom prst="rect">
             <a:avLst/>
@@ -6295,23 +6326,7 @@
           <a:p>
             <a:r>
               <a:rPr lang="en-US" sz="1600" dirty="0" smtClean="0"/>
-              <a:t>Each </a:t>
-            </a:r>
-            <a:r>
-              <a:rPr lang="en-US" sz="1600" dirty="0" err="1" smtClean="0"/>
-              <a:t>CommentUpvote</a:t>
-            </a:r>
-            <a:r>
-              <a:rPr lang="en-US" sz="1600" dirty="0" smtClean="0"/>
-              <a:t> and </a:t>
-            </a:r>
-            <a:r>
-              <a:rPr lang="en-US" sz="1600" dirty="0" err="1" smtClean="0"/>
-              <a:t>CommentDownvote</a:t>
-            </a:r>
-            <a:r>
-              <a:rPr lang="en-US" sz="1600" dirty="0" smtClean="0"/>
-              <a:t> belongs to exactly one Comment</a:t>
+              <a:t>Vote occurs on comment</a:t>
             </a:r>
             <a:endParaRPr lang="en-US" sz="1600" dirty="0"/>
           </a:p>
@@ -6412,8 +6427,8 @@
         </p:nvSpPr>
         <p:spPr>
           <a:xfrm>
-            <a:off x="9077327" y="8304596"/>
-            <a:ext cx="2550656" cy="830997"/>
+            <a:off x="9227562" y="8540346"/>
+            <a:ext cx="2550656" cy="338554"/>
           </a:xfrm>
           <a:prstGeom prst="rect">
             <a:avLst/>
@@ -6428,23 +6443,7 @@
           <a:p>
             <a:r>
               <a:rPr lang="en-US" sz="1600" dirty="0" smtClean="0"/>
-              <a:t>Each </a:t>
-            </a:r>
-            <a:r>
-              <a:rPr lang="en-US" sz="1600" dirty="0" err="1" smtClean="0"/>
-              <a:t>CommentUpvote</a:t>
-            </a:r>
-            <a:r>
-              <a:rPr lang="en-US" sz="1600" dirty="0" smtClean="0"/>
-              <a:t> and </a:t>
-            </a:r>
-            <a:r>
-              <a:rPr lang="en-US" sz="1600" dirty="0" err="1" smtClean="0"/>
-              <a:t>CommentDownvote</a:t>
-            </a:r>
-            <a:r>
-              <a:rPr lang="en-US" sz="1600" dirty="0" smtClean="0"/>
-              <a:t> belongs to exactly one User</a:t>
+              <a:t>Voted by </a:t>
             </a:r>
             <a:endParaRPr lang="en-US" sz="1600" dirty="0"/>
           </a:p>
@@ -6496,8 +6495,8 @@
         </p:nvSpPr>
         <p:spPr>
           <a:xfrm>
-            <a:off x="2845246" y="12268790"/>
-            <a:ext cx="2550656" cy="584776"/>
+            <a:off x="3177216" y="12268790"/>
+            <a:ext cx="2550656" cy="338554"/>
           </a:xfrm>
           <a:prstGeom prst="rect">
             <a:avLst/>
@@ -6512,7 +6511,7 @@
           <a:p>
             <a:r>
               <a:rPr lang="en-US" sz="1600" dirty="0" smtClean="0"/>
-              <a:t>Each Comment has zero or one parent Comment</a:t>
+              <a:t>Parent of</a:t>
             </a:r>
             <a:endParaRPr lang="en-US" sz="1600" dirty="0"/>
           </a:p>
@@ -6740,8 +6739,8 @@
         </p:nvSpPr>
         <p:spPr>
           <a:xfrm>
-            <a:off x="2558083" y="4678787"/>
-            <a:ext cx="1803735" cy="1323439"/>
+            <a:off x="2558083" y="4987536"/>
+            <a:ext cx="1803735" cy="584776"/>
           </a:xfrm>
           <a:prstGeom prst="rect">
             <a:avLst/>
@@ -6756,23 +6755,13 @@
           <a:p>
             <a:r>
               <a:rPr lang="en-US" sz="1600" dirty="0" smtClean="0"/>
-              <a:t>User Karma is affected by </a:t>
-            </a:r>
-            <a:r>
-              <a:rPr lang="en-US" sz="1600" dirty="0" err="1" smtClean="0"/>
-              <a:t>Upvotes</a:t>
-            </a:r>
+              <a:t>Karma belongs</a:t>
+            </a:r>
+          </a:p>
+          <a:p>
             <a:r>
               <a:rPr lang="en-US" sz="1600" dirty="0" smtClean="0"/>
-              <a:t> and </a:t>
-            </a:r>
-            <a:r>
-              <a:rPr lang="en-US" sz="1600" dirty="0" err="1" smtClean="0"/>
-              <a:t>Downvotes</a:t>
-            </a:r>
-            <a:r>
-              <a:rPr lang="en-US" sz="1600" dirty="0" smtClean="0"/>
-              <a:t> on their submissions</a:t>
+              <a:t>To user</a:t>
             </a:r>
             <a:endParaRPr lang="en-US" sz="1600" dirty="0"/>
           </a:p>
@@ -6898,6 +6887,36 @@
               <a:t>Red-Dot: Phase 3</a:t>
             </a:r>
             <a:endParaRPr lang="en-US" dirty="0"/>
+          </a:p>
+        </p:txBody>
+      </p:sp>
+      <p:sp>
+        <p:nvSpPr>
+          <p:cNvPr id="98" name="TextBox 97"/>
+          <p:cNvSpPr txBox="1"/>
+          <p:nvPr/>
+        </p:nvSpPr>
+        <p:spPr>
+          <a:xfrm>
+            <a:off x="10010226" y="3897624"/>
+            <a:ext cx="2550656" cy="338554"/>
+          </a:xfrm>
+          <a:prstGeom prst="rect">
+            <a:avLst/>
+          </a:prstGeom>
+          <a:noFill/>
+        </p:spPr>
+        <p:txBody>
+          <a:bodyPr wrap="square" rtlCol="0">
+            <a:spAutoFit/>
+          </a:bodyPr>
+          <a:lstStyle/>
+          <a:p>
+            <a:r>
+              <a:rPr lang="en-US" sz="1600" dirty="0" smtClean="0"/>
+              <a:t>Voted by</a:t>
+            </a:r>
+            <a:endParaRPr lang="en-US" sz="1600" dirty="0"/>
           </a:p>
         </p:txBody>
       </p:sp>
@@ -7625,8 +7644,8 @@
         </p:nvSpPr>
         <p:spPr>
           <a:xfrm>
-            <a:off x="448247" y="2166667"/>
-            <a:ext cx="17657147" cy="4524316"/>
+            <a:off x="448247" y="1734867"/>
+            <a:ext cx="17481543" cy="3416320"/>
           </a:xfrm>
           <a:prstGeom prst="rect">
             <a:avLst/>
@@ -7641,14 +7660,48 @@
           <a:p>
             <a:r>
               <a:rPr lang="en-US" dirty="0" smtClean="0"/>
-              <a:t>User::= ( login | signup ) ( post | comment | vote | change profile info )* ( logout | leave )</a:t>
-            </a:r>
-          </a:p>
-          <a:p>
+              <a:t>User::= ( login | signup ) ( </a:t>
+            </a:r>
             <a:r>
               <a:rPr lang="en-US" dirty="0" smtClean="0"/>
-              <a:t>User::= ( view)* ( leave ) </a:t>
-            </a:r>
+              <a:t>action</a:t>
+            </a:r>
+            <a:r>
+              <a:rPr lang="en-US" dirty="0" smtClean="0"/>
+              <a:t> </a:t>
+            </a:r>
+            <a:r>
+              <a:rPr lang="en-US" dirty="0" smtClean="0"/>
+              <a:t>| change profile info )* ( logout | leave </a:t>
+            </a:r>
+            <a:r>
+              <a:rPr lang="en-US" dirty="0" smtClean="0"/>
+              <a:t>)    </a:t>
+            </a:r>
+            <a:r>
+              <a:rPr lang="en-US" dirty="0" smtClean="0">
+                <a:sym typeface="Wingdings"/>
+              </a:rPr>
+              <a:t> Authenticated</a:t>
+            </a:r>
+            <a:endParaRPr lang="en-US" dirty="0" smtClean="0"/>
+          </a:p>
+          <a:p>
+            <a:r>
+              <a:rPr lang="en-US" dirty="0" smtClean="0"/>
+              <a:t>User::= ( view)* ( leave </a:t>
+            </a:r>
+            <a:r>
+              <a:rPr lang="en-US" dirty="0" smtClean="0"/>
+              <a:t>)     </a:t>
+            </a:r>
+            <a:r>
+              <a:rPr lang="en-US" dirty="0" smtClean="0">
+                <a:sym typeface="Wingdings"/>
+              </a:rPr>
+              <a:t> Unauthenticated</a:t>
+            </a:r>
+            <a:endParaRPr lang="en-US" dirty="0" smtClean="0"/>
           </a:p>
           <a:p>
             <a:endParaRPr lang="en-US" dirty="0"/>
@@ -7656,8 +7709,9 @@
           <a:p>
             <a:r>
               <a:rPr lang="en-US" dirty="0" smtClean="0"/>
-              <a:t>Moderator::= ( login ) ( post | comment | vote | change profile info | edit )* ( logout | leave )</a:t>
-            </a:r>
+              <a:t>Action ::= post | comment | vote </a:t>
+            </a:r>
+            <a:endParaRPr lang="en-US" dirty="0" smtClean="0"/>
           </a:p>
           <a:p>
             <a:endParaRPr lang="en-US" dirty="0"/>
@@ -7665,26 +7719,25 @@
           <a:p>
             <a:r>
               <a:rPr lang="en-US" dirty="0" smtClean="0"/>
-              <a:t>Post::= ( created ) ( receive votes | commented on )* ( deleted )?</a:t>
-            </a:r>
-          </a:p>
-          <a:p>
+              <a:t>Moderator::= ( login ) ( </a:t>
+            </a:r>
+            <a:r>
+              <a:rPr lang="en-US" dirty="0" smtClean="0"/>
+              <a:t>action</a:t>
+            </a:r>
+            <a:r>
+              <a:rPr lang="en-US" dirty="0" smtClean="0"/>
+              <a:t> </a:t>
+            </a:r>
+            <a:r>
+              <a:rPr lang="en-US" dirty="0" smtClean="0"/>
+              <a:t>| change profile info | edit )* ( logout | leave </a:t>
+            </a:r>
+            <a:r>
+              <a:rPr lang="en-US" dirty="0" smtClean="0"/>
+              <a:t>)</a:t>
+            </a:r>
             <a:endParaRPr lang="en-US" dirty="0" smtClean="0"/>
-          </a:p>
-          <a:p>
-            <a:r>
-              <a:rPr lang="en-US" dirty="0" smtClean="0"/>
-              <a:t>Comment::= ( created ) (receive votes | </a:t>
-            </a:r>
-            <a:r>
-              <a:rPr lang="en-US" dirty="0" err="1" smtClean="0"/>
-              <a:t>subcomments</a:t>
-            </a:r>
-            <a:r>
-              <a:rPr lang="en-US" dirty="0" smtClean="0"/>
-              <a:t> )* ( deleted )?</a:t>
-            </a:r>
-            <a:endParaRPr lang="en-US" dirty="0"/>
           </a:p>
         </p:txBody>
       </p:sp>
@@ -7696,8 +7749,8 @@
         </p:nvSpPr>
         <p:spPr>
           <a:xfrm>
-            <a:off x="202204" y="1842912"/>
-            <a:ext cx="17906172" cy="5379312"/>
+            <a:off x="223092" y="1467205"/>
+            <a:ext cx="17906172" cy="6096000"/>
           </a:xfrm>
           <a:prstGeom prst="rect">
             <a:avLst/>

--- a/deliverables/P3.1 OM.pptx
+++ b/deliverables/P3.1 OM.pptx
@@ -291,7 +291,7 @@
           <a:p>
             <a:fld id="{5FF110C1-6DF0-874E-8DB8-4AABBCC5EB31}" type="datetimeFigureOut">
               <a:rPr lang="en-US" smtClean="0"/>
-              <a:t>10/28/12</a:t>
+              <a:t>11/5/12</a:t>
             </a:fld>
             <a:endParaRPr lang="en-US"/>
           </a:p>
@@ -461,7 +461,7 @@
           <a:p>
             <a:fld id="{5FF110C1-6DF0-874E-8DB8-4AABBCC5EB31}" type="datetimeFigureOut">
               <a:rPr lang="en-US" smtClean="0"/>
-              <a:t>10/28/12</a:t>
+              <a:t>11/5/12</a:t>
             </a:fld>
             <a:endParaRPr lang="en-US"/>
           </a:p>
@@ -641,7 +641,7 @@
           <a:p>
             <a:fld id="{5FF110C1-6DF0-874E-8DB8-4AABBCC5EB31}" type="datetimeFigureOut">
               <a:rPr lang="en-US" smtClean="0"/>
-              <a:t>10/28/12</a:t>
+              <a:t>11/5/12</a:t>
             </a:fld>
             <a:endParaRPr lang="en-US"/>
           </a:p>
@@ -811,7 +811,7 @@
           <a:p>
             <a:fld id="{5FF110C1-6DF0-874E-8DB8-4AABBCC5EB31}" type="datetimeFigureOut">
               <a:rPr lang="en-US" smtClean="0"/>
-              <a:t>10/28/12</a:t>
+              <a:t>11/5/12</a:t>
             </a:fld>
             <a:endParaRPr lang="en-US"/>
           </a:p>
@@ -1057,7 +1057,7 @@
           <a:p>
             <a:fld id="{5FF110C1-6DF0-874E-8DB8-4AABBCC5EB31}" type="datetimeFigureOut">
               <a:rPr lang="en-US" smtClean="0"/>
-              <a:t>10/28/12</a:t>
+              <a:t>11/5/12</a:t>
             </a:fld>
             <a:endParaRPr lang="en-US"/>
           </a:p>
@@ -1345,7 +1345,7 @@
           <a:p>
             <a:fld id="{5FF110C1-6DF0-874E-8DB8-4AABBCC5EB31}" type="datetimeFigureOut">
               <a:rPr lang="en-US" smtClean="0"/>
-              <a:t>10/28/12</a:t>
+              <a:t>11/5/12</a:t>
             </a:fld>
             <a:endParaRPr lang="en-US"/>
           </a:p>
@@ -1767,7 +1767,7 @@
           <a:p>
             <a:fld id="{5FF110C1-6DF0-874E-8DB8-4AABBCC5EB31}" type="datetimeFigureOut">
               <a:rPr lang="en-US" smtClean="0"/>
-              <a:t>10/28/12</a:t>
+              <a:t>11/5/12</a:t>
             </a:fld>
             <a:endParaRPr lang="en-US"/>
           </a:p>
@@ -1885,7 +1885,7 @@
           <a:p>
             <a:fld id="{5FF110C1-6DF0-874E-8DB8-4AABBCC5EB31}" type="datetimeFigureOut">
               <a:rPr lang="en-US" smtClean="0"/>
-              <a:t>10/28/12</a:t>
+              <a:t>11/5/12</a:t>
             </a:fld>
             <a:endParaRPr lang="en-US"/>
           </a:p>
@@ -1980,7 +1980,7 @@
           <a:p>
             <a:fld id="{5FF110C1-6DF0-874E-8DB8-4AABBCC5EB31}" type="datetimeFigureOut">
               <a:rPr lang="en-US" smtClean="0"/>
-              <a:t>10/28/12</a:t>
+              <a:t>11/5/12</a:t>
             </a:fld>
             <a:endParaRPr lang="en-US"/>
           </a:p>
@@ -2257,7 +2257,7 @@
           <a:p>
             <a:fld id="{5FF110C1-6DF0-874E-8DB8-4AABBCC5EB31}" type="datetimeFigureOut">
               <a:rPr lang="en-US" smtClean="0"/>
-              <a:t>10/28/12</a:t>
+              <a:t>11/5/12</a:t>
             </a:fld>
             <a:endParaRPr lang="en-US"/>
           </a:p>
@@ -2510,7 +2510,7 @@
           <a:p>
             <a:fld id="{5FF110C1-6DF0-874E-8DB8-4AABBCC5EB31}" type="datetimeFigureOut">
               <a:rPr lang="en-US" smtClean="0"/>
-              <a:t>10/28/12</a:t>
+              <a:t>11/5/12</a:t>
             </a:fld>
             <a:endParaRPr lang="en-US"/>
           </a:p>
@@ -2723,7 +2723,7 @@
           <a:p>
             <a:fld id="{5FF110C1-6DF0-874E-8DB8-4AABBCC5EB31}" type="datetimeFigureOut">
               <a:rPr lang="en-US" smtClean="0"/>
-              <a:t>10/28/12</a:t>
+              <a:t>11/5/12</a:t>
             </a:fld>
             <a:endParaRPr lang="en-US"/>
           </a:p>
@@ -4831,15 +4831,7 @@
           <a:p>
             <a:r>
               <a:rPr lang="en-US" dirty="0" smtClean="0"/>
-              <a:t>Red-Dot: Phase </a:t>
-            </a:r>
-            <a:r>
-              <a:rPr lang="en-US" dirty="0" smtClean="0"/>
-              <a:t>2. </a:t>
-            </a:r>
-            <a:r>
-              <a:rPr lang="en-US" dirty="0" smtClean="0"/>
-              <a:t>Not updated (</a:t>
+              <a:t>Red-Dot: Phase 2. Not updated (</a:t>
             </a:r>
             <a:r>
               <a:rPr lang="en-US" smtClean="0"/>
@@ -4971,7 +4963,7 @@
         </p:nvSpPr>
         <p:spPr>
           <a:xfrm>
-            <a:off x="13257817" y="9787485"/>
+            <a:off x="14886336" y="9787485"/>
             <a:ext cx="1565327" cy="884347"/>
           </a:xfrm>
           <a:prstGeom prst="rect">
@@ -5139,7 +5131,7 @@
         </p:nvSpPr>
         <p:spPr>
           <a:xfrm>
-            <a:off x="13228890" y="11181498"/>
+            <a:off x="14857409" y="11181498"/>
             <a:ext cx="1565327" cy="884347"/>
           </a:xfrm>
           <a:prstGeom prst="rect">
@@ -5319,78 +5311,6 @@
       </p:cxnSp>
       <p:cxnSp>
         <p:nvCxnSpPr>
-          <p:cNvPr id="61" name="Straight Arrow Connector 60"/>
-          <p:cNvCxnSpPr>
-            <a:stCxn id="55" idx="3"/>
-            <a:endCxn id="56" idx="1"/>
-          </p:cNvCxnSpPr>
-          <p:nvPr/>
-        </p:nvCxnSpPr>
-        <p:spPr>
-          <a:xfrm>
-            <a:off x="5882517" y="10962923"/>
-            <a:ext cx="7346373" cy="660749"/>
-          </a:xfrm>
-          <a:prstGeom prst="straightConnector1">
-            <a:avLst/>
-          </a:prstGeom>
-          <a:ln>
-            <a:tailEnd type="arrow"/>
-          </a:ln>
-        </p:spPr>
-        <p:style>
-          <a:lnRef idx="2">
-            <a:schemeClr val="accent1"/>
-          </a:lnRef>
-          <a:fillRef idx="0">
-            <a:schemeClr val="accent1"/>
-          </a:fillRef>
-          <a:effectRef idx="1">
-            <a:schemeClr val="accent1"/>
-          </a:effectRef>
-          <a:fontRef idx="minor">
-            <a:schemeClr val="tx1"/>
-          </a:fontRef>
-        </p:style>
-      </p:cxnSp>
-      <p:cxnSp>
-        <p:nvCxnSpPr>
-          <p:cNvPr id="62" name="Straight Arrow Connector 61"/>
-          <p:cNvCxnSpPr>
-            <a:stCxn id="55" idx="3"/>
-            <a:endCxn id="52" idx="1"/>
-          </p:cNvCxnSpPr>
-          <p:nvPr/>
-        </p:nvCxnSpPr>
-        <p:spPr>
-          <a:xfrm flipV="1">
-            <a:off x="5882517" y="10229659"/>
-            <a:ext cx="7375300" cy="733264"/>
-          </a:xfrm>
-          <a:prstGeom prst="straightConnector1">
-            <a:avLst/>
-          </a:prstGeom>
-          <a:ln>
-            <a:tailEnd type="arrow"/>
-          </a:ln>
-        </p:spPr>
-        <p:style>
-          <a:lnRef idx="2">
-            <a:schemeClr val="accent1"/>
-          </a:lnRef>
-          <a:fillRef idx="0">
-            <a:schemeClr val="accent1"/>
-          </a:fillRef>
-          <a:effectRef idx="1">
-            <a:schemeClr val="accent1"/>
-          </a:effectRef>
-          <a:fontRef idx="minor">
-            <a:schemeClr val="tx1"/>
-          </a:fontRef>
-        </p:style>
-      </p:cxnSp>
-      <p:cxnSp>
-        <p:nvCxnSpPr>
           <p:cNvPr id="63" name="Straight Arrow Connector 62"/>
           <p:cNvCxnSpPr>
             <a:stCxn id="51" idx="1"/>
@@ -5548,221 +5468,6 @@
           </a:p>
         </p:txBody>
       </p:sp>
-      <p:cxnSp>
-        <p:nvCxnSpPr>
-          <p:cNvPr id="67" name="Straight Arrow Connector 66"/>
-          <p:cNvCxnSpPr>
-            <a:stCxn id="51" idx="3"/>
-            <a:endCxn id="65" idx="1"/>
-          </p:cNvCxnSpPr>
-          <p:nvPr/>
-        </p:nvCxnSpPr>
-        <p:spPr>
-          <a:xfrm flipV="1">
-            <a:off x="13343545" y="889975"/>
-            <a:ext cx="2686323" cy="4216278"/>
-          </a:xfrm>
-          <a:prstGeom prst="straightConnector1">
-            <a:avLst/>
-          </a:prstGeom>
-          <a:ln>
-            <a:tailEnd type="arrow"/>
-          </a:ln>
-        </p:spPr>
-        <p:style>
-          <a:lnRef idx="2">
-            <a:schemeClr val="accent1"/>
-          </a:lnRef>
-          <a:fillRef idx="0">
-            <a:schemeClr val="accent1"/>
-          </a:fillRef>
-          <a:effectRef idx="1">
-            <a:schemeClr val="accent1"/>
-          </a:effectRef>
-          <a:fontRef idx="minor">
-            <a:schemeClr val="tx1"/>
-          </a:fontRef>
-        </p:style>
-      </p:cxnSp>
-      <p:cxnSp>
-        <p:nvCxnSpPr>
-          <p:cNvPr id="68" name="Straight Arrow Connector 67"/>
-          <p:cNvCxnSpPr>
-            <a:stCxn id="51" idx="3"/>
-            <a:endCxn id="66" idx="1"/>
-          </p:cNvCxnSpPr>
-          <p:nvPr/>
-        </p:nvCxnSpPr>
-        <p:spPr>
-          <a:xfrm flipV="1">
-            <a:off x="13343545" y="2932645"/>
-            <a:ext cx="2686323" cy="2173608"/>
-          </a:xfrm>
-          <a:prstGeom prst="straightConnector1">
-            <a:avLst/>
-          </a:prstGeom>
-          <a:ln>
-            <a:tailEnd type="arrow"/>
-          </a:ln>
-        </p:spPr>
-        <p:style>
-          <a:lnRef idx="2">
-            <a:schemeClr val="accent1"/>
-          </a:lnRef>
-          <a:fillRef idx="0">
-            <a:schemeClr val="accent1"/>
-          </a:fillRef>
-          <a:effectRef idx="1">
-            <a:schemeClr val="accent1"/>
-          </a:effectRef>
-          <a:fontRef idx="minor">
-            <a:schemeClr val="tx1"/>
-          </a:fontRef>
-        </p:style>
-      </p:cxnSp>
-      <p:cxnSp>
-        <p:nvCxnSpPr>
-          <p:cNvPr id="69" name="Straight Arrow Connector 68"/>
-          <p:cNvCxnSpPr>
-            <a:stCxn id="52" idx="1"/>
-            <a:endCxn id="50" idx="2"/>
-          </p:cNvCxnSpPr>
-          <p:nvPr/>
-        </p:nvCxnSpPr>
-        <p:spPr>
-          <a:xfrm flipH="1" flipV="1">
-            <a:off x="5099854" y="5548426"/>
-            <a:ext cx="8157963" cy="4681233"/>
-          </a:xfrm>
-          <a:prstGeom prst="straightConnector1">
-            <a:avLst/>
-          </a:prstGeom>
-          <a:ln>
-            <a:tailEnd type="arrow"/>
-          </a:ln>
-        </p:spPr>
-        <p:style>
-          <a:lnRef idx="2">
-            <a:schemeClr val="accent1"/>
-          </a:lnRef>
-          <a:fillRef idx="0">
-            <a:schemeClr val="accent1"/>
-          </a:fillRef>
-          <a:effectRef idx="1">
-            <a:schemeClr val="accent1"/>
-          </a:effectRef>
-          <a:fontRef idx="minor">
-            <a:schemeClr val="tx1"/>
-          </a:fontRef>
-        </p:style>
-      </p:cxnSp>
-      <p:cxnSp>
-        <p:nvCxnSpPr>
-          <p:cNvPr id="70" name="Straight Arrow Connector 69"/>
-          <p:cNvCxnSpPr>
-            <a:stCxn id="56" idx="1"/>
-            <a:endCxn id="50" idx="2"/>
-          </p:cNvCxnSpPr>
-          <p:nvPr/>
-        </p:nvCxnSpPr>
-        <p:spPr>
-          <a:xfrm flipH="1" flipV="1">
-            <a:off x="5099854" y="5548426"/>
-            <a:ext cx="8129036" cy="6075246"/>
-          </a:xfrm>
-          <a:prstGeom prst="straightConnector1">
-            <a:avLst/>
-          </a:prstGeom>
-          <a:ln>
-            <a:tailEnd type="arrow"/>
-          </a:ln>
-        </p:spPr>
-        <p:style>
-          <a:lnRef idx="2">
-            <a:schemeClr val="accent1"/>
-          </a:lnRef>
-          <a:fillRef idx="0">
-            <a:schemeClr val="accent1"/>
-          </a:fillRef>
-          <a:effectRef idx="1">
-            <a:schemeClr val="accent1"/>
-          </a:effectRef>
-          <a:fontRef idx="minor">
-            <a:schemeClr val="tx1"/>
-          </a:fontRef>
-        </p:style>
-      </p:cxnSp>
-      <p:cxnSp>
-        <p:nvCxnSpPr>
-          <p:cNvPr id="71" name="Straight Arrow Connector 70"/>
-          <p:cNvCxnSpPr>
-            <a:stCxn id="66" idx="1"/>
-          </p:cNvCxnSpPr>
-          <p:nvPr/>
-        </p:nvCxnSpPr>
-        <p:spPr>
-          <a:xfrm flipH="1">
-            <a:off x="5882517" y="2932645"/>
-            <a:ext cx="10147351" cy="2173608"/>
-          </a:xfrm>
-          <a:prstGeom prst="straightConnector1">
-            <a:avLst/>
-          </a:prstGeom>
-          <a:ln>
-            <a:tailEnd type="arrow"/>
-          </a:ln>
-        </p:spPr>
-        <p:style>
-          <a:lnRef idx="2">
-            <a:schemeClr val="accent1"/>
-          </a:lnRef>
-          <a:fillRef idx="0">
-            <a:schemeClr val="accent1"/>
-          </a:fillRef>
-          <a:effectRef idx="1">
-            <a:schemeClr val="accent1"/>
-          </a:effectRef>
-          <a:fontRef idx="minor">
-            <a:schemeClr val="tx1"/>
-          </a:fontRef>
-        </p:style>
-      </p:cxnSp>
-      <p:cxnSp>
-        <p:nvCxnSpPr>
-          <p:cNvPr id="72" name="Straight Arrow Connector 71"/>
-          <p:cNvCxnSpPr>
-            <a:stCxn id="65" idx="1"/>
-            <a:endCxn id="50" idx="3"/>
-          </p:cNvCxnSpPr>
-          <p:nvPr/>
-        </p:nvCxnSpPr>
-        <p:spPr>
-          <a:xfrm flipH="1">
-            <a:off x="5882517" y="889975"/>
-            <a:ext cx="10147351" cy="4216278"/>
-          </a:xfrm>
-          <a:prstGeom prst="straightConnector1">
-            <a:avLst/>
-          </a:prstGeom>
-          <a:ln>
-            <a:tailEnd type="arrow"/>
-          </a:ln>
-        </p:spPr>
-        <p:style>
-          <a:lnRef idx="2">
-            <a:schemeClr val="accent1"/>
-          </a:lnRef>
-          <a:fillRef idx="0">
-            <a:schemeClr val="accent1"/>
-          </a:fillRef>
-          <a:effectRef idx="1">
-            <a:schemeClr val="accent1"/>
-          </a:effectRef>
-          <a:fontRef idx="minor">
-            <a:schemeClr val="tx1"/>
-          </a:fontRef>
-        </p:style>
-      </p:cxnSp>
       <p:sp>
         <p:nvSpPr>
           <p:cNvPr id="73" name="TextBox 72"/>
@@ -5799,12 +5504,12 @@
               <a:t>	User </a:t>
             </a:r>
             <a:r>
-              <a:rPr lang="en-US" sz="1600" dirty="0" err="1" smtClean="0"/>
-              <a:t>authnticated</a:t>
-            </a:r>
-            <a:r>
               <a:rPr lang="en-US" sz="1600" dirty="0" smtClean="0"/>
-              <a:t> by</a:t>
+              <a:t>authenticated </a:t>
+            </a:r>
+            <a:r>
+              <a:rPr lang="en-US" sz="1600" dirty="0" smtClean="0"/>
+              <a:t>by</a:t>
             </a:r>
             <a:endParaRPr lang="en-US" sz="1600" dirty="0"/>
           </a:p>
@@ -5821,15 +5526,7 @@
             </a:r>
             <a:r>
               <a:rPr lang="en-US" sz="1600" dirty="0" smtClean="0"/>
-              <a:t>                   </a:t>
-            </a:r>
-            <a:r>
-              <a:rPr lang="en-US" sz="1600" dirty="0" smtClean="0"/>
-              <a:t>?         </a:t>
-            </a:r>
-            <a:r>
-              <a:rPr lang="en-US" sz="1600" dirty="0" smtClean="0"/>
-              <a:t>?          *</a:t>
+              <a:t>                   ?         ?          *</a:t>
             </a:r>
             <a:endParaRPr lang="en-US" sz="1600" dirty="0"/>
           </a:p>
@@ -5966,11 +5663,7 @@
             </a:r>
             <a:r>
               <a:rPr lang="en-US" sz="1600" dirty="0" smtClean="0"/>
-              <a:t>                     </a:t>
-            </a:r>
-            <a:r>
-              <a:rPr lang="en-US" sz="1600" dirty="0" smtClean="0"/>
-              <a:t>*</a:t>
+              <a:t>                     *</a:t>
             </a:r>
             <a:endParaRPr lang="en-US" sz="1600" dirty="0"/>
           </a:p>
@@ -5984,7 +5677,7 @@
         </p:nvSpPr>
         <p:spPr>
           <a:xfrm>
-            <a:off x="10352655" y="2790042"/>
+            <a:off x="8954908" y="3374818"/>
             <a:ext cx="2550656" cy="338554"/>
           </a:xfrm>
           <a:prstGeom prst="rect">
@@ -6008,14 +5701,14 @@
       </p:sp>
       <p:sp>
         <p:nvSpPr>
-          <p:cNvPr id="78" name="TextBox 77"/>
+          <p:cNvPr id="79" name="TextBox 78"/>
           <p:cNvSpPr txBox="1"/>
           <p:nvPr/>
         </p:nvSpPr>
         <p:spPr>
           <a:xfrm>
-            <a:off x="8145781" y="3958004"/>
-            <a:ext cx="545307" cy="830997"/>
+            <a:off x="11505564" y="1904119"/>
+            <a:ext cx="545307" cy="338554"/>
           </a:xfrm>
           <a:prstGeom prst="rect">
             <a:avLst/>
@@ -6030,30 +5723,21 @@
           <a:p>
             <a:r>
               <a:rPr lang="en-US" sz="1600" dirty="0" smtClean="0"/>
-              <a:t>!</a:t>
-            </a:r>
-          </a:p>
-          <a:p>
-            <a:endParaRPr lang="en-US" sz="1600" dirty="0"/>
-          </a:p>
-          <a:p>
-            <a:r>
-              <a:rPr lang="en-US" sz="1600" dirty="0" smtClean="0"/>
-              <a:t>!</a:t>
-            </a:r>
-          </a:p>
-        </p:txBody>
-      </p:sp>
-      <p:sp>
-        <p:nvSpPr>
-          <p:cNvPr id="79" name="TextBox 78"/>
+              <a:t>*</a:t>
+            </a:r>
+          </a:p>
+        </p:txBody>
+      </p:sp>
+      <p:sp>
+        <p:nvSpPr>
+          <p:cNvPr id="81" name="TextBox 80"/>
           <p:cNvSpPr txBox="1"/>
           <p:nvPr/>
         </p:nvSpPr>
         <p:spPr>
           <a:xfrm>
-            <a:off x="15575401" y="1019496"/>
-            <a:ext cx="545307" cy="338554"/>
+            <a:off x="11648729" y="3094813"/>
+            <a:ext cx="2550656" cy="1569660"/>
           </a:xfrm>
           <a:prstGeom prst="rect">
             <a:avLst/>
@@ -6068,21 +5752,55 @@
           <a:p>
             <a:r>
               <a:rPr lang="en-US" sz="1600" dirty="0" smtClean="0"/>
-              <a:t>*</a:t>
-            </a:r>
-          </a:p>
-        </p:txBody>
-      </p:sp>
-      <p:sp>
-        <p:nvSpPr>
-          <p:cNvPr id="80" name="TextBox 79"/>
+              <a:t>                    *</a:t>
+            </a:r>
+          </a:p>
+          <a:p>
+            <a:endParaRPr lang="en-US" sz="1600" dirty="0" smtClean="0"/>
+          </a:p>
+          <a:p>
+            <a:r>
+              <a:rPr lang="en-US" sz="1600" dirty="0" smtClean="0"/>
+              <a:t>Vote </a:t>
+            </a:r>
+            <a:r>
+              <a:rPr lang="en-US" sz="1600" dirty="0" smtClean="0"/>
+              <a:t>occurs on </a:t>
+            </a:r>
+            <a:r>
+              <a:rPr lang="en-US" sz="1600" dirty="0" smtClean="0"/>
+              <a:t>Post</a:t>
+            </a:r>
+          </a:p>
+          <a:p>
+            <a:endParaRPr lang="en-US" sz="1600" dirty="0"/>
+          </a:p>
+          <a:p>
+            <a:endParaRPr lang="en-US" sz="1600" dirty="0" smtClean="0"/>
+          </a:p>
+          <a:p>
+            <a:r>
+              <a:rPr lang="en-US" sz="1600" dirty="0"/>
+              <a:t>	</a:t>
+            </a:r>
+            <a:r>
+              <a:rPr lang="en-US" sz="1600" dirty="0" smtClean="0"/>
+              <a:t>!</a:t>
+            </a:r>
+            <a:endParaRPr lang="en-US" sz="1600" dirty="0"/>
+          </a:p>
+        </p:txBody>
+      </p:sp>
+      <p:sp>
+        <p:nvSpPr>
+          <p:cNvPr id="83" name="TextBox 82"/>
           <p:cNvSpPr txBox="1"/>
           <p:nvPr/>
         </p:nvSpPr>
         <p:spPr>
           <a:xfrm>
-            <a:off x="15470796" y="3036264"/>
-            <a:ext cx="545307" cy="338554"/>
+            <a:off x="9659749" y="6319438"/>
+            <a:ext cx="2550656" cy="1323439"/>
           </a:xfrm>
           <a:prstGeom prst="rect">
             <a:avLst/>
@@ -6097,6 +5815,24 @@
           <a:p>
             <a:r>
               <a:rPr lang="en-US" sz="1600" dirty="0" smtClean="0"/>
+              <a:t>	       !</a:t>
+            </a:r>
+          </a:p>
+          <a:p>
+            <a:endParaRPr lang="en-US" sz="1600" dirty="0" smtClean="0"/>
+          </a:p>
+          <a:p>
+            <a:r>
+              <a:rPr lang="en-US" sz="1600" dirty="0" smtClean="0"/>
+              <a:t>Comments occur on</a:t>
+            </a:r>
+          </a:p>
+          <a:p>
+            <a:endParaRPr lang="en-US" sz="1600" dirty="0" smtClean="0"/>
+          </a:p>
+          <a:p>
+            <a:r>
+              <a:rPr lang="en-US" sz="1600" dirty="0"/>
               <a:t>*</a:t>
             </a:r>
           </a:p>
@@ -6104,14 +5840,14 @@
       </p:sp>
       <p:sp>
         <p:nvSpPr>
-          <p:cNvPr id="81" name="TextBox 80"/>
+          <p:cNvPr id="84" name="TextBox 83"/>
           <p:cNvSpPr txBox="1"/>
           <p:nvPr/>
         </p:nvSpPr>
         <p:spPr>
           <a:xfrm>
-            <a:off x="13570052" y="4029430"/>
-            <a:ext cx="2550656" cy="338554"/>
+            <a:off x="8691088" y="4755731"/>
+            <a:ext cx="1793002" cy="338554"/>
           </a:xfrm>
           <a:prstGeom prst="rect">
             <a:avLst/>
@@ -6126,7 +5862,7 @@
           <a:p>
             <a:r>
               <a:rPr lang="en-US" sz="1600" dirty="0" smtClean="0"/>
-              <a:t>Vote occurs on Post</a:t>
+              <a:t>Posted by</a:t>
             </a:r>
             <a:endParaRPr lang="en-US" sz="1600" dirty="0"/>
           </a:p>
@@ -6134,13 +5870,13 @@
       </p:sp>
       <p:sp>
         <p:nvSpPr>
-          <p:cNvPr id="82" name="TextBox 81"/>
+          <p:cNvPr id="85" name="TextBox 84"/>
           <p:cNvSpPr txBox="1"/>
           <p:nvPr/>
         </p:nvSpPr>
         <p:spPr>
           <a:xfrm>
-            <a:off x="13343545" y="4957750"/>
+            <a:off x="11232911" y="4810157"/>
             <a:ext cx="545307" cy="338554"/>
           </a:xfrm>
           <a:prstGeom prst="rect">
@@ -6156,21 +5892,21 @@
           <a:p>
             <a:r>
               <a:rPr lang="en-US" sz="1600" dirty="0" smtClean="0"/>
-              <a:t>!</a:t>
-            </a:r>
-          </a:p>
-        </p:txBody>
-      </p:sp>
-      <p:sp>
-        <p:nvSpPr>
-          <p:cNvPr id="83" name="TextBox 82"/>
+              <a:t>*</a:t>
+            </a:r>
+          </a:p>
+        </p:txBody>
+      </p:sp>
+      <p:sp>
+        <p:nvSpPr>
+          <p:cNvPr id="86" name="TextBox 85"/>
           <p:cNvSpPr txBox="1"/>
           <p:nvPr/>
         </p:nvSpPr>
         <p:spPr>
           <a:xfrm>
-            <a:off x="9659749" y="6319438"/>
-            <a:ext cx="2550656" cy="1323439"/>
+            <a:off x="5948767" y="5181121"/>
+            <a:ext cx="545307" cy="338554"/>
           </a:xfrm>
           <a:prstGeom prst="rect">
             <a:avLst/>
@@ -6184,45 +5920,23 @@
           <a:lstStyle/>
           <a:p>
             <a:r>
-              <a:rPr lang="en-US" sz="1600" dirty="0" smtClean="0"/>
-              <a:t>	       </a:t>
-            </a:r>
-            <a:r>
-              <a:rPr lang="en-US" sz="1600" dirty="0" smtClean="0"/>
+              <a:rPr lang="en-US" sz="1600" dirty="0"/>
               <a:t>!</a:t>
             </a:r>
-          </a:p>
-          <a:p>
             <a:endParaRPr lang="en-US" sz="1600" dirty="0" smtClean="0"/>
           </a:p>
-          <a:p>
-            <a:r>
-              <a:rPr lang="en-US" sz="1600" dirty="0" smtClean="0"/>
-              <a:t>Comments occur on</a:t>
-            </a:r>
-            <a:endParaRPr lang="en-US" sz="1600" dirty="0" smtClean="0"/>
-          </a:p>
-          <a:p>
-            <a:endParaRPr lang="en-US" sz="1600" dirty="0" smtClean="0"/>
-          </a:p>
-          <a:p>
-            <a:r>
-              <a:rPr lang="en-US" sz="1600" dirty="0"/>
-              <a:t>*</a:t>
-            </a:r>
-          </a:p>
-        </p:txBody>
-      </p:sp>
-      <p:sp>
-        <p:nvSpPr>
-          <p:cNvPr id="84" name="TextBox 83"/>
+        </p:txBody>
+      </p:sp>
+      <p:sp>
+        <p:nvSpPr>
+          <p:cNvPr id="87" name="TextBox 86"/>
           <p:cNvSpPr txBox="1"/>
           <p:nvPr/>
         </p:nvSpPr>
         <p:spPr>
           <a:xfrm>
-            <a:off x="8691088" y="4755731"/>
-            <a:ext cx="1793002" cy="584776"/>
+            <a:off x="7662239" y="10885978"/>
+            <a:ext cx="2550656" cy="338554"/>
           </a:xfrm>
           <a:prstGeom prst="rect">
             <a:avLst/>
@@ -6237,7 +5951,7 @@
           <a:p>
             <a:r>
               <a:rPr lang="en-US" sz="1600" dirty="0" smtClean="0"/>
-              <a:t>Each Post is made   by exactly one User</a:t>
+              <a:t>Vote occurs on comment</a:t>
             </a:r>
             <a:endParaRPr lang="en-US" sz="1600" dirty="0"/>
           </a:p>
@@ -6245,13 +5959,13 @@
       </p:sp>
       <p:sp>
         <p:nvSpPr>
-          <p:cNvPr id="85" name="TextBox 84"/>
+          <p:cNvPr id="88" name="TextBox 87"/>
           <p:cNvSpPr txBox="1"/>
           <p:nvPr/>
         </p:nvSpPr>
         <p:spPr>
           <a:xfrm>
-            <a:off x="11232911" y="4810157"/>
+            <a:off x="5885731" y="10962923"/>
             <a:ext cx="545307" cy="338554"/>
           </a:xfrm>
           <a:prstGeom prst="rect">
@@ -6267,21 +5981,21 @@
           <a:p>
             <a:r>
               <a:rPr lang="en-US" sz="1600" dirty="0" smtClean="0"/>
-              <a:t>*</a:t>
-            </a:r>
-          </a:p>
-        </p:txBody>
-      </p:sp>
-      <p:sp>
-        <p:nvSpPr>
-          <p:cNvPr id="86" name="TextBox 85"/>
+              <a:t>!</a:t>
+            </a:r>
+          </a:p>
+        </p:txBody>
+      </p:sp>
+      <p:sp>
+        <p:nvSpPr>
+          <p:cNvPr id="91" name="TextBox 90"/>
           <p:cNvSpPr txBox="1"/>
           <p:nvPr/>
         </p:nvSpPr>
         <p:spPr>
           <a:xfrm>
-            <a:off x="7995546" y="5067448"/>
-            <a:ext cx="545307" cy="338554"/>
+            <a:off x="9614267" y="8877755"/>
+            <a:ext cx="2550656" cy="338554"/>
           </a:xfrm>
           <a:prstGeom prst="rect">
             <a:avLst/>
@@ -6295,195 +6009,10 @@
           <a:lstStyle/>
           <a:p>
             <a:r>
-              <a:rPr lang="en-US" sz="1600" dirty="0"/>
-              <a:t>!</a:t>
-            </a:r>
-            <a:endParaRPr lang="en-US" sz="1600" dirty="0" smtClean="0"/>
-          </a:p>
-        </p:txBody>
-      </p:sp>
-      <p:sp>
-        <p:nvSpPr>
-          <p:cNvPr id="87" name="TextBox 86"/>
-          <p:cNvSpPr txBox="1"/>
-          <p:nvPr/>
-        </p:nvSpPr>
-        <p:spPr>
-          <a:xfrm>
-            <a:off x="7662239" y="10885978"/>
-            <a:ext cx="2550656" cy="338554"/>
-          </a:xfrm>
-          <a:prstGeom prst="rect">
-            <a:avLst/>
-          </a:prstGeom>
-          <a:noFill/>
-        </p:spPr>
-        <p:txBody>
-          <a:bodyPr wrap="square" rtlCol="0">
-            <a:spAutoFit/>
-          </a:bodyPr>
-          <a:lstStyle/>
-          <a:p>
-            <a:r>
-              <a:rPr lang="en-US" sz="1600" dirty="0" smtClean="0"/>
-              <a:t>Vote occurs on comment</a:t>
-            </a:r>
-            <a:endParaRPr lang="en-US" sz="1600" dirty="0"/>
-          </a:p>
-        </p:txBody>
-      </p:sp>
-      <p:sp>
-        <p:nvSpPr>
-          <p:cNvPr id="88" name="TextBox 87"/>
-          <p:cNvSpPr txBox="1"/>
-          <p:nvPr/>
-        </p:nvSpPr>
-        <p:spPr>
-          <a:xfrm>
-            <a:off x="5885731" y="10962923"/>
-            <a:ext cx="545307" cy="338554"/>
-          </a:xfrm>
-          <a:prstGeom prst="rect">
-            <a:avLst/>
-          </a:prstGeom>
-          <a:noFill/>
-        </p:spPr>
-        <p:txBody>
-          <a:bodyPr wrap="square" rtlCol="0">
-            <a:spAutoFit/>
-          </a:bodyPr>
-          <a:lstStyle/>
-          <a:p>
-            <a:r>
-              <a:rPr lang="en-US" sz="1600" dirty="0" smtClean="0"/>
-              <a:t>!</a:t>
-            </a:r>
-          </a:p>
-        </p:txBody>
-      </p:sp>
-      <p:sp>
-        <p:nvSpPr>
-          <p:cNvPr id="89" name="TextBox 88"/>
-          <p:cNvSpPr txBox="1"/>
-          <p:nvPr/>
-        </p:nvSpPr>
-        <p:spPr>
-          <a:xfrm>
-            <a:off x="12732658" y="10035478"/>
-            <a:ext cx="545307" cy="338554"/>
-          </a:xfrm>
-          <a:prstGeom prst="rect">
-            <a:avLst/>
-          </a:prstGeom>
-          <a:noFill/>
-        </p:spPr>
-        <p:txBody>
-          <a:bodyPr wrap="square" rtlCol="0">
-            <a:spAutoFit/>
-          </a:bodyPr>
-          <a:lstStyle/>
-          <a:p>
-            <a:r>
-              <a:rPr lang="en-US" sz="1600" dirty="0" smtClean="0"/>
-              <a:t>*</a:t>
-            </a:r>
-          </a:p>
-        </p:txBody>
-      </p:sp>
-      <p:sp>
-        <p:nvSpPr>
-          <p:cNvPr id="90" name="TextBox 89"/>
-          <p:cNvSpPr txBox="1"/>
-          <p:nvPr/>
-        </p:nvSpPr>
-        <p:spPr>
-          <a:xfrm>
-            <a:off x="12685834" y="11333462"/>
-            <a:ext cx="545307" cy="338554"/>
-          </a:xfrm>
-          <a:prstGeom prst="rect">
-            <a:avLst/>
-          </a:prstGeom>
-          <a:noFill/>
-        </p:spPr>
-        <p:txBody>
-          <a:bodyPr wrap="square" rtlCol="0">
-            <a:spAutoFit/>
-          </a:bodyPr>
-          <a:lstStyle/>
-          <a:p>
-            <a:r>
-              <a:rPr lang="en-US" sz="1600" dirty="0" smtClean="0"/>
-              <a:t>*</a:t>
-            </a:r>
-          </a:p>
-        </p:txBody>
-      </p:sp>
-      <p:sp>
-        <p:nvSpPr>
-          <p:cNvPr id="91" name="TextBox 90"/>
-          <p:cNvSpPr txBox="1"/>
-          <p:nvPr/>
-        </p:nvSpPr>
-        <p:spPr>
-          <a:xfrm>
-            <a:off x="9227562" y="8540346"/>
-            <a:ext cx="2550656" cy="338554"/>
-          </a:xfrm>
-          <a:prstGeom prst="rect">
-            <a:avLst/>
-          </a:prstGeom>
-          <a:noFill/>
-        </p:spPr>
-        <p:txBody>
-          <a:bodyPr wrap="square" rtlCol="0">
-            <a:spAutoFit/>
-          </a:bodyPr>
-          <a:lstStyle/>
-          <a:p>
-            <a:r>
               <a:rPr lang="en-US" sz="1600" dirty="0" smtClean="0"/>
               <a:t>Voted by </a:t>
             </a:r>
             <a:endParaRPr lang="en-US" sz="1600" dirty="0"/>
-          </a:p>
-        </p:txBody>
-      </p:sp>
-      <p:sp>
-        <p:nvSpPr>
-          <p:cNvPr id="92" name="TextBox 91"/>
-          <p:cNvSpPr txBox="1"/>
-          <p:nvPr/>
-        </p:nvSpPr>
-        <p:spPr>
-          <a:xfrm>
-            <a:off x="6494074" y="6128075"/>
-            <a:ext cx="545307" cy="830997"/>
-          </a:xfrm>
-          <a:prstGeom prst="rect">
-            <a:avLst/>
-          </a:prstGeom>
-          <a:noFill/>
-        </p:spPr>
-        <p:txBody>
-          <a:bodyPr wrap="square" rtlCol="0">
-            <a:spAutoFit/>
-          </a:bodyPr>
-          <a:lstStyle/>
-          <a:p>
-            <a:r>
-              <a:rPr lang="en-US" sz="1600" dirty="0" smtClean="0"/>
-              <a:t>!</a:t>
-            </a:r>
-          </a:p>
-          <a:p>
-            <a:endParaRPr lang="en-US" sz="1600" dirty="0"/>
-          </a:p>
-          <a:p>
-            <a:r>
-              <a:rPr lang="en-US" sz="1600" dirty="0" smtClean="0"/>
-              <a:t>!</a:t>
-            </a:r>
           </a:p>
         </p:txBody>
       </p:sp>
@@ -6892,14 +6421,133 @@
       </p:sp>
       <p:sp>
         <p:nvSpPr>
-          <p:cNvPr id="98" name="TextBox 97"/>
+          <p:cNvPr id="101" name="Rectangle 100"/>
+          <p:cNvSpPr/>
+          <p:nvPr/>
+        </p:nvSpPr>
+        <p:spPr>
+          <a:xfrm>
+            <a:off x="11860897" y="1606124"/>
+            <a:ext cx="1565327" cy="884347"/>
+          </a:xfrm>
+          <a:prstGeom prst="rect">
+            <a:avLst/>
+          </a:prstGeom>
+        </p:spPr>
+        <p:style>
+          <a:lnRef idx="1">
+            <a:schemeClr val="accent1"/>
+          </a:lnRef>
+          <a:fillRef idx="3">
+            <a:schemeClr val="accent1"/>
+          </a:fillRef>
+          <a:effectRef idx="2">
+            <a:schemeClr val="accent1"/>
+          </a:effectRef>
+          <a:fontRef idx="minor">
+            <a:schemeClr val="lt1"/>
+          </a:fontRef>
+        </p:style>
+        <p:txBody>
+          <a:bodyPr lIns="182880" tIns="91440" rIns="182880" bIns="91440" spcCol="0" rtlCol="0" anchor="ctr"/>
+          <a:lstStyle/>
+          <a:p>
+            <a:pPr algn="ctr"/>
+            <a:r>
+              <a:rPr lang="en-US" sz="1800" dirty="0" smtClean="0"/>
+              <a:t>POST </a:t>
+            </a:r>
+            <a:r>
+              <a:rPr lang="en-US" sz="1800" dirty="0" smtClean="0"/>
+              <a:t>VOTE</a:t>
+            </a:r>
+            <a:endParaRPr lang="en-US" sz="1800" dirty="0"/>
+          </a:p>
+        </p:txBody>
+      </p:sp>
+      <p:cxnSp>
+        <p:nvCxnSpPr>
+          <p:cNvPr id="3" name="Elbow Connector 2"/>
+          <p:cNvCxnSpPr>
+            <a:stCxn id="66" idx="1"/>
+            <a:endCxn id="101" idx="3"/>
+          </p:cNvCxnSpPr>
+          <p:nvPr/>
+        </p:nvCxnSpPr>
+        <p:spPr>
+          <a:xfrm rot="10800000">
+            <a:off x="13426224" y="2048299"/>
+            <a:ext cx="2603644" cy="884347"/>
+          </a:xfrm>
+          <a:prstGeom prst="bentConnector3">
+            <a:avLst>
+              <a:gd name="adj1" fmla="val 50000"/>
+            </a:avLst>
+          </a:prstGeom>
+          <a:ln>
+            <a:tailEnd type="arrow"/>
+          </a:ln>
+        </p:spPr>
+        <p:style>
+          <a:lnRef idx="2">
+            <a:schemeClr val="accent1"/>
+          </a:lnRef>
+          <a:fillRef idx="0">
+            <a:schemeClr val="accent1"/>
+          </a:fillRef>
+          <a:effectRef idx="1">
+            <a:schemeClr val="accent1"/>
+          </a:effectRef>
+          <a:fontRef idx="minor">
+            <a:schemeClr val="tx1"/>
+          </a:fontRef>
+        </p:style>
+      </p:cxnSp>
+      <p:cxnSp>
+        <p:nvCxnSpPr>
+          <p:cNvPr id="5" name="Elbow Connector 4"/>
+          <p:cNvCxnSpPr>
+            <a:endCxn id="101" idx="3"/>
+          </p:cNvCxnSpPr>
+          <p:nvPr/>
+        </p:nvCxnSpPr>
+        <p:spPr>
+          <a:xfrm rot="10800000" flipV="1">
+            <a:off x="13426224" y="822266"/>
+            <a:ext cx="2589880" cy="1226031"/>
+          </a:xfrm>
+          <a:prstGeom prst="bentConnector3">
+            <a:avLst/>
+          </a:prstGeom>
+          <a:ln>
+            <a:tailEnd type="arrow"/>
+          </a:ln>
+        </p:spPr>
+        <p:style>
+          <a:lnRef idx="2">
+            <a:schemeClr val="accent1"/>
+          </a:lnRef>
+          <a:fillRef idx="0">
+            <a:schemeClr val="accent1"/>
+          </a:fillRef>
+          <a:effectRef idx="1">
+            <a:schemeClr val="accent1"/>
+          </a:effectRef>
+          <a:fontRef idx="minor">
+            <a:schemeClr val="tx1"/>
+          </a:fontRef>
+        </p:style>
+      </p:cxnSp>
+      <p:sp>
+        <p:nvSpPr>
+          <p:cNvPr id="102" name="TextBox 101"/>
           <p:cNvSpPr txBox="1"/>
           <p:nvPr/>
         </p:nvSpPr>
         <p:spPr>
           <a:xfrm>
-            <a:off x="10010226" y="3897624"/>
-            <a:ext cx="2550656" cy="338554"/>
+            <a:off x="6058772" y="4740836"/>
+            <a:ext cx="545307" cy="338554"/>
           </a:xfrm>
           <a:prstGeom prst="rect">
             <a:avLst/>
@@ -6913,13 +6561,365 @@
           <a:lstStyle/>
           <a:p>
             <a:r>
+              <a:rPr lang="en-US" sz="1600" dirty="0"/>
+              <a:t>!</a:t>
+            </a:r>
+            <a:endParaRPr lang="en-US" sz="1600" dirty="0" smtClean="0"/>
+          </a:p>
+        </p:txBody>
+      </p:sp>
+      <p:cxnSp>
+        <p:nvCxnSpPr>
+          <p:cNvPr id="10" name="Straight Arrow Connector 9"/>
+          <p:cNvCxnSpPr>
+            <a:stCxn id="101" idx="1"/>
+          </p:cNvCxnSpPr>
+          <p:nvPr/>
+        </p:nvCxnSpPr>
+        <p:spPr>
+          <a:xfrm flipH="1">
+            <a:off x="5727872" y="2048298"/>
+            <a:ext cx="6133025" cy="3132823"/>
+          </a:xfrm>
+          <a:prstGeom prst="straightConnector1">
+            <a:avLst/>
+          </a:prstGeom>
+          <a:ln>
+            <a:tailEnd type="arrow"/>
+          </a:ln>
+        </p:spPr>
+        <p:style>
+          <a:lnRef idx="2">
+            <a:schemeClr val="accent1"/>
+          </a:lnRef>
+          <a:fillRef idx="0">
+            <a:schemeClr val="accent1"/>
+          </a:fillRef>
+          <a:effectRef idx="1">
+            <a:schemeClr val="accent1"/>
+          </a:effectRef>
+          <a:fontRef idx="minor">
+            <a:schemeClr val="tx1"/>
+          </a:fontRef>
+        </p:style>
+      </p:cxnSp>
+      <p:cxnSp>
+        <p:nvCxnSpPr>
+          <p:cNvPr id="13" name="Straight Arrow Connector 12"/>
+          <p:cNvCxnSpPr>
+            <a:stCxn id="101" idx="2"/>
+            <a:endCxn id="51" idx="0"/>
+          </p:cNvCxnSpPr>
+          <p:nvPr/>
+        </p:nvCxnSpPr>
+        <p:spPr>
+          <a:xfrm flipH="1">
+            <a:off x="12560882" y="2490471"/>
+            <a:ext cx="82679" cy="2173608"/>
+          </a:xfrm>
+          <a:prstGeom prst="straightConnector1">
+            <a:avLst/>
+          </a:prstGeom>
+          <a:ln>
+            <a:tailEnd type="arrow"/>
+          </a:ln>
+        </p:spPr>
+        <p:style>
+          <a:lnRef idx="2">
+            <a:schemeClr val="accent1"/>
+          </a:lnRef>
+          <a:fillRef idx="0">
+            <a:schemeClr val="accent1"/>
+          </a:fillRef>
+          <a:effectRef idx="1">
+            <a:schemeClr val="accent1"/>
+          </a:effectRef>
+          <a:fontRef idx="minor">
+            <a:schemeClr val="tx1"/>
+          </a:fontRef>
+        </p:style>
+      </p:cxnSp>
+      <p:sp>
+        <p:nvSpPr>
+          <p:cNvPr id="108" name="Rectangle 107"/>
+          <p:cNvSpPr/>
+          <p:nvPr/>
+        </p:nvSpPr>
+        <p:spPr>
+          <a:xfrm>
+            <a:off x="11778218" y="10520750"/>
+            <a:ext cx="1565327" cy="884347"/>
+          </a:xfrm>
+          <a:prstGeom prst="rect">
+            <a:avLst/>
+          </a:prstGeom>
+        </p:spPr>
+        <p:style>
+          <a:lnRef idx="1">
+            <a:schemeClr val="accent1"/>
+          </a:lnRef>
+          <a:fillRef idx="3">
+            <a:schemeClr val="accent1"/>
+          </a:fillRef>
+          <a:effectRef idx="2">
+            <a:schemeClr val="accent1"/>
+          </a:effectRef>
+          <a:fontRef idx="minor">
+            <a:schemeClr val="lt1"/>
+          </a:fontRef>
+        </p:style>
+        <p:txBody>
+          <a:bodyPr lIns="182880" tIns="91440" rIns="182880" bIns="91440" spcCol="0" rtlCol="0" anchor="ctr"/>
+          <a:lstStyle/>
+          <a:p>
+            <a:pPr algn="ctr"/>
+            <a:r>
+              <a:rPr lang="en-US" sz="1800" dirty="0" smtClean="0"/>
+              <a:t>COMMENT </a:t>
+            </a:r>
+            <a:r>
+              <a:rPr lang="en-US" sz="1800" dirty="0"/>
+              <a:t>V</a:t>
+            </a:r>
+            <a:r>
+              <a:rPr lang="en-US" sz="1800" dirty="0" smtClean="0"/>
+              <a:t>OTE</a:t>
+            </a:r>
+            <a:endParaRPr lang="en-US" sz="1800" dirty="0"/>
+          </a:p>
+        </p:txBody>
+      </p:sp>
+      <p:cxnSp>
+        <p:nvCxnSpPr>
+          <p:cNvPr id="16" name="Elbow Connector 15"/>
+          <p:cNvCxnSpPr>
+            <a:stCxn id="52" idx="1"/>
+            <a:endCxn id="108" idx="3"/>
+          </p:cNvCxnSpPr>
+          <p:nvPr/>
+        </p:nvCxnSpPr>
+        <p:spPr>
+          <a:xfrm rot="10800000" flipV="1">
+            <a:off x="13343546" y="10229658"/>
+            <a:ext cx="1542791" cy="733265"/>
+          </a:xfrm>
+          <a:prstGeom prst="bentConnector3">
+            <a:avLst/>
+          </a:prstGeom>
+          <a:ln>
+            <a:tailEnd type="arrow"/>
+          </a:ln>
+        </p:spPr>
+        <p:style>
+          <a:lnRef idx="2">
+            <a:schemeClr val="accent1"/>
+          </a:lnRef>
+          <a:fillRef idx="0">
+            <a:schemeClr val="accent1"/>
+          </a:fillRef>
+          <a:effectRef idx="1">
+            <a:schemeClr val="accent1"/>
+          </a:effectRef>
+          <a:fontRef idx="minor">
+            <a:schemeClr val="tx1"/>
+          </a:fontRef>
+        </p:style>
+      </p:cxnSp>
+      <p:cxnSp>
+        <p:nvCxnSpPr>
+          <p:cNvPr id="18" name="Elbow Connector 17"/>
+          <p:cNvCxnSpPr>
+            <a:endCxn id="108" idx="3"/>
+          </p:cNvCxnSpPr>
+          <p:nvPr/>
+        </p:nvCxnSpPr>
+        <p:spPr>
+          <a:xfrm rot="10800000">
+            <a:off x="13343545" y="10962925"/>
+            <a:ext cx="1513864" cy="780727"/>
+          </a:xfrm>
+          <a:prstGeom prst="bentConnector3">
+            <a:avLst/>
+          </a:prstGeom>
+          <a:ln>
+            <a:tailEnd type="arrow"/>
+          </a:ln>
+        </p:spPr>
+        <p:style>
+          <a:lnRef idx="2">
+            <a:schemeClr val="accent1"/>
+          </a:lnRef>
+          <a:fillRef idx="0">
+            <a:schemeClr val="accent1"/>
+          </a:fillRef>
+          <a:effectRef idx="1">
+            <a:schemeClr val="accent1"/>
+          </a:effectRef>
+          <a:fontRef idx="minor">
+            <a:schemeClr val="tx1"/>
+          </a:fontRef>
+        </p:style>
+      </p:cxnSp>
+      <p:cxnSp>
+        <p:nvCxnSpPr>
+          <p:cNvPr id="20" name="Straight Arrow Connector 19"/>
+          <p:cNvCxnSpPr>
+            <a:stCxn id="108" idx="0"/>
+            <a:endCxn id="50" idx="2"/>
+          </p:cNvCxnSpPr>
+          <p:nvPr/>
+        </p:nvCxnSpPr>
+        <p:spPr>
+          <a:xfrm flipH="1" flipV="1">
+            <a:off x="5099854" y="5548426"/>
+            <a:ext cx="7461028" cy="4972324"/>
+          </a:xfrm>
+          <a:prstGeom prst="straightConnector1">
+            <a:avLst/>
+          </a:prstGeom>
+          <a:ln>
+            <a:tailEnd type="arrow"/>
+          </a:ln>
+        </p:spPr>
+        <p:style>
+          <a:lnRef idx="2">
+            <a:schemeClr val="accent1"/>
+          </a:lnRef>
+          <a:fillRef idx="0">
+            <a:schemeClr val="accent1"/>
+          </a:fillRef>
+          <a:effectRef idx="1">
+            <a:schemeClr val="accent1"/>
+          </a:effectRef>
+          <a:fontRef idx="minor">
+            <a:schemeClr val="tx1"/>
+          </a:fontRef>
+        </p:style>
+      </p:cxnSp>
+      <p:sp>
+        <p:nvSpPr>
+          <p:cNvPr id="109" name="TextBox 108"/>
+          <p:cNvSpPr txBox="1"/>
+          <p:nvPr/>
+        </p:nvSpPr>
+        <p:spPr>
+          <a:xfrm>
+            <a:off x="12370907" y="10229658"/>
+            <a:ext cx="545307" cy="338554"/>
+          </a:xfrm>
+          <a:prstGeom prst="rect">
+            <a:avLst/>
+          </a:prstGeom>
+          <a:noFill/>
+        </p:spPr>
+        <p:txBody>
+          <a:bodyPr wrap="square" rtlCol="0">
+            <a:spAutoFit/>
+          </a:bodyPr>
+          <a:lstStyle/>
+          <a:p>
+            <a:r>
               <a:rPr lang="en-US" sz="1600" dirty="0" smtClean="0"/>
-              <a:t>Voted by</a:t>
-            </a:r>
-            <a:endParaRPr lang="en-US" sz="1600" dirty="0"/>
-          </a:p>
-        </p:txBody>
-      </p:sp>
+              <a:t>*</a:t>
+            </a:r>
+          </a:p>
+        </p:txBody>
+      </p:sp>
+      <p:sp>
+        <p:nvSpPr>
+          <p:cNvPr id="110" name="TextBox 109"/>
+          <p:cNvSpPr txBox="1"/>
+          <p:nvPr/>
+        </p:nvSpPr>
+        <p:spPr>
+          <a:xfrm>
+            <a:off x="5372507" y="5551988"/>
+            <a:ext cx="545307" cy="338554"/>
+          </a:xfrm>
+          <a:prstGeom prst="rect">
+            <a:avLst/>
+          </a:prstGeom>
+          <a:noFill/>
+        </p:spPr>
+        <p:txBody>
+          <a:bodyPr wrap="square" rtlCol="0">
+            <a:spAutoFit/>
+          </a:bodyPr>
+          <a:lstStyle/>
+          <a:p>
+            <a:r>
+              <a:rPr lang="en-US" sz="1600" dirty="0"/>
+              <a:t>!</a:t>
+            </a:r>
+            <a:endParaRPr lang="en-US" sz="1600" dirty="0" smtClean="0"/>
+          </a:p>
+        </p:txBody>
+      </p:sp>
+      <p:sp>
+        <p:nvSpPr>
+          <p:cNvPr id="111" name="TextBox 110"/>
+          <p:cNvSpPr txBox="1"/>
+          <p:nvPr/>
+        </p:nvSpPr>
+        <p:spPr>
+          <a:xfrm>
+            <a:off x="11264676" y="10944676"/>
+            <a:ext cx="545307" cy="338554"/>
+          </a:xfrm>
+          <a:prstGeom prst="rect">
+            <a:avLst/>
+          </a:prstGeom>
+          <a:noFill/>
+        </p:spPr>
+        <p:txBody>
+          <a:bodyPr wrap="square" rtlCol="0">
+            <a:spAutoFit/>
+          </a:bodyPr>
+          <a:lstStyle/>
+          <a:p>
+            <a:r>
+              <a:rPr lang="en-US" sz="1600" dirty="0" smtClean="0"/>
+              <a:t>*</a:t>
+            </a:r>
+            <a:endParaRPr lang="en-US" sz="1600" dirty="0" smtClean="0"/>
+          </a:p>
+        </p:txBody>
+      </p:sp>
+      <p:cxnSp>
+        <p:nvCxnSpPr>
+          <p:cNvPr id="22" name="Straight Arrow Connector 21"/>
+          <p:cNvCxnSpPr>
+            <a:stCxn id="108" idx="1"/>
+          </p:cNvCxnSpPr>
+          <p:nvPr/>
+        </p:nvCxnSpPr>
+        <p:spPr>
+          <a:xfrm flipH="1">
+            <a:off x="5882517" y="10962924"/>
+            <a:ext cx="5895701" cy="1"/>
+          </a:xfrm>
+          <a:prstGeom prst="straightConnector1">
+            <a:avLst/>
+          </a:prstGeom>
+          <a:ln>
+            <a:tailEnd type="arrow"/>
+          </a:ln>
+        </p:spPr>
+        <p:style>
+          <a:lnRef idx="2">
+            <a:schemeClr val="accent1"/>
+          </a:lnRef>
+          <a:fillRef idx="0">
+            <a:schemeClr val="accent1"/>
+          </a:fillRef>
+          <a:effectRef idx="1">
+            <a:schemeClr val="accent1"/>
+          </a:effectRef>
+          <a:fontRef idx="minor">
+            <a:schemeClr val="tx1"/>
+          </a:fontRef>
+        </p:style>
+      </p:cxnSp>
     </p:spTree>
     <p:extLst>
       <p:ext uri="{BB962C8B-B14F-4D97-AF65-F5344CB8AC3E}">
@@ -7660,23 +7660,7 @@
           <a:p>
             <a:r>
               <a:rPr lang="en-US" dirty="0" smtClean="0"/>
-              <a:t>User::= ( login | signup ) ( </a:t>
-            </a:r>
-            <a:r>
-              <a:rPr lang="en-US" dirty="0" smtClean="0"/>
-              <a:t>action</a:t>
-            </a:r>
-            <a:r>
-              <a:rPr lang="en-US" dirty="0" smtClean="0"/>
-              <a:t> </a:t>
-            </a:r>
-            <a:r>
-              <a:rPr lang="en-US" dirty="0" smtClean="0"/>
-              <a:t>| change profile info )* ( logout | leave </a:t>
-            </a:r>
-            <a:r>
-              <a:rPr lang="en-US" dirty="0" smtClean="0"/>
-              <a:t>)    </a:t>
+              <a:t>User::= ( login | signup ) ( action | change profile info )* ( logout | leave )    </a:t>
             </a:r>
             <a:r>
               <a:rPr lang="en-US" dirty="0" smtClean="0">
@@ -7689,11 +7673,7 @@
           <a:p>
             <a:r>
               <a:rPr lang="en-US" dirty="0" smtClean="0"/>
-              <a:t>User::= ( view)* ( leave </a:t>
-            </a:r>
-            <a:r>
-              <a:rPr lang="en-US" dirty="0" smtClean="0"/>
-              <a:t>)     </a:t>
+              <a:t>User::= ( view)* ( leave )     </a:t>
             </a:r>
             <a:r>
               <a:rPr lang="en-US" dirty="0" smtClean="0">
@@ -7711,7 +7691,6 @@
               <a:rPr lang="en-US" dirty="0" smtClean="0"/>
               <a:t>Action ::= post | comment | vote </a:t>
             </a:r>
-            <a:endParaRPr lang="en-US" dirty="0" smtClean="0"/>
           </a:p>
           <a:p>
             <a:endParaRPr lang="en-US" dirty="0"/>
@@ -7719,25 +7698,8 @@
           <a:p>
             <a:r>
               <a:rPr lang="en-US" dirty="0" smtClean="0"/>
-              <a:t>Moderator::= ( login ) ( </a:t>
-            </a:r>
-            <a:r>
-              <a:rPr lang="en-US" dirty="0" smtClean="0"/>
-              <a:t>action</a:t>
-            </a:r>
-            <a:r>
-              <a:rPr lang="en-US" dirty="0" smtClean="0"/>
-              <a:t> </a:t>
-            </a:r>
-            <a:r>
-              <a:rPr lang="en-US" dirty="0" smtClean="0"/>
-              <a:t>| change profile info | edit )* ( logout | leave </a:t>
-            </a:r>
-            <a:r>
-              <a:rPr lang="en-US" dirty="0" smtClean="0"/>
-              <a:t>)</a:t>
-            </a:r>
-            <a:endParaRPr lang="en-US" dirty="0" smtClean="0"/>
+              <a:t>Moderator::= ( login ) ( action | change profile info | edit )* ( logout | leave )</a:t>
+            </a:r>
           </a:p>
         </p:txBody>
       </p:sp>
